--- a/~2022-10-31 1인프로젝트/기획서 ~9.26/MVP 시스템 구성도.pptx
+++ b/~2022-10-31 1인프로젝트/기획서 ~9.26/MVP 시스템 구성도.pptx
@@ -10,7 +10,7 @@
   <p:sldIdLst>
     <p:sldId id="256" r:id="rId2"/>
     <p:sldId id="257" r:id="rId3"/>
-    <p:sldId id="258" r:id="rId4"/>
+    <p:sldId id="260" r:id="rId4"/>
     <p:sldId id="259" r:id="rId5"/>
   </p:sldIdLst>
   <p:sldSz cx="12192000" cy="6858000"/>
@@ -227,7 +227,7 @@
           <a:p>
             <a:fld id="{F0A8BD40-DC64-427F-AB29-2C49EE46E132}" type="datetimeFigureOut">
               <a:rPr lang="ko-KR" altLang="en-US" smtClean="0"/>
-              <a:t>2022-09-29</a:t>
+              <a:t>2022-10-04</a:t>
             </a:fld>
             <a:endParaRPr lang="ko-KR" altLang="en-US"/>
           </a:p>
@@ -752,7 +752,7 @@
           <a:p>
             <a:fld id="{445F3513-427E-43C9-9A6C-48A18774DD42}" type="datetimeFigureOut">
               <a:rPr lang="ko-KR" altLang="en-US" smtClean="0"/>
-              <a:t>2022-09-29</a:t>
+              <a:t>2022-10-04</a:t>
             </a:fld>
             <a:endParaRPr lang="ko-KR" altLang="en-US"/>
           </a:p>
@@ -950,7 +950,7 @@
           <a:p>
             <a:fld id="{445F3513-427E-43C9-9A6C-48A18774DD42}" type="datetimeFigureOut">
               <a:rPr lang="ko-KR" altLang="en-US" smtClean="0"/>
-              <a:t>2022-09-29</a:t>
+              <a:t>2022-10-04</a:t>
             </a:fld>
             <a:endParaRPr lang="ko-KR" altLang="en-US"/>
           </a:p>
@@ -1158,7 +1158,7 @@
           <a:p>
             <a:fld id="{445F3513-427E-43C9-9A6C-48A18774DD42}" type="datetimeFigureOut">
               <a:rPr lang="ko-KR" altLang="en-US" smtClean="0"/>
-              <a:t>2022-09-29</a:t>
+              <a:t>2022-10-04</a:t>
             </a:fld>
             <a:endParaRPr lang="ko-KR" altLang="en-US"/>
           </a:p>
@@ -1356,7 +1356,7 @@
           <a:p>
             <a:fld id="{445F3513-427E-43C9-9A6C-48A18774DD42}" type="datetimeFigureOut">
               <a:rPr lang="ko-KR" altLang="en-US" smtClean="0"/>
-              <a:t>2022-09-29</a:t>
+              <a:t>2022-10-04</a:t>
             </a:fld>
             <a:endParaRPr lang="ko-KR" altLang="en-US"/>
           </a:p>
@@ -1631,7 +1631,7 @@
           <a:p>
             <a:fld id="{445F3513-427E-43C9-9A6C-48A18774DD42}" type="datetimeFigureOut">
               <a:rPr lang="ko-KR" altLang="en-US" smtClean="0"/>
-              <a:t>2022-09-29</a:t>
+              <a:t>2022-10-04</a:t>
             </a:fld>
             <a:endParaRPr lang="ko-KR" altLang="en-US"/>
           </a:p>
@@ -1896,7 +1896,7 @@
           <a:p>
             <a:fld id="{445F3513-427E-43C9-9A6C-48A18774DD42}" type="datetimeFigureOut">
               <a:rPr lang="ko-KR" altLang="en-US" smtClean="0"/>
-              <a:t>2022-09-29</a:t>
+              <a:t>2022-10-04</a:t>
             </a:fld>
             <a:endParaRPr lang="ko-KR" altLang="en-US"/>
           </a:p>
@@ -2308,7 +2308,7 @@
           <a:p>
             <a:fld id="{445F3513-427E-43C9-9A6C-48A18774DD42}" type="datetimeFigureOut">
               <a:rPr lang="ko-KR" altLang="en-US" smtClean="0"/>
-              <a:t>2022-09-29</a:t>
+              <a:t>2022-10-04</a:t>
             </a:fld>
             <a:endParaRPr lang="ko-KR" altLang="en-US"/>
           </a:p>
@@ -2449,7 +2449,7 @@
           <a:p>
             <a:fld id="{445F3513-427E-43C9-9A6C-48A18774DD42}" type="datetimeFigureOut">
               <a:rPr lang="ko-KR" altLang="en-US" smtClean="0"/>
-              <a:t>2022-09-29</a:t>
+              <a:t>2022-10-04</a:t>
             </a:fld>
             <a:endParaRPr lang="ko-KR" altLang="en-US"/>
           </a:p>
@@ -2562,7 +2562,7 @@
           <a:p>
             <a:fld id="{445F3513-427E-43C9-9A6C-48A18774DD42}" type="datetimeFigureOut">
               <a:rPr lang="ko-KR" altLang="en-US" smtClean="0"/>
-              <a:t>2022-09-29</a:t>
+              <a:t>2022-10-04</a:t>
             </a:fld>
             <a:endParaRPr lang="ko-KR" altLang="en-US"/>
           </a:p>
@@ -2873,7 +2873,7 @@
           <a:p>
             <a:fld id="{445F3513-427E-43C9-9A6C-48A18774DD42}" type="datetimeFigureOut">
               <a:rPr lang="ko-KR" altLang="en-US" smtClean="0"/>
-              <a:t>2022-09-29</a:t>
+              <a:t>2022-10-04</a:t>
             </a:fld>
             <a:endParaRPr lang="ko-KR" altLang="en-US"/>
           </a:p>
@@ -3161,7 +3161,7 @@
           <a:p>
             <a:fld id="{445F3513-427E-43C9-9A6C-48A18774DD42}" type="datetimeFigureOut">
               <a:rPr lang="ko-KR" altLang="en-US" smtClean="0"/>
-              <a:t>2022-09-29</a:t>
+              <a:t>2022-10-04</a:t>
             </a:fld>
             <a:endParaRPr lang="ko-KR" altLang="en-US"/>
           </a:p>
@@ -3402,7 +3402,7 @@
           <a:p>
             <a:fld id="{445F3513-427E-43C9-9A6C-48A18774DD42}" type="datetimeFigureOut">
               <a:rPr lang="ko-KR" altLang="en-US" smtClean="0"/>
-              <a:t>2022-09-29</a:t>
+              <a:t>2022-10-04</a:t>
             </a:fld>
             <a:endParaRPr lang="ko-KR" altLang="en-US"/>
           </a:p>
@@ -4905,31 +4905,104 @@
       </p:grpSpPr>
       <p:sp>
         <p:nvSpPr>
-          <p:cNvPr id="3" name="제목 2">
-            <a:extLst>
-              <a:ext uri="{FF2B5EF4-FFF2-40B4-BE49-F238E27FC236}">
-                <a16:creationId xmlns:a16="http://schemas.microsoft.com/office/drawing/2014/main" id="{7637B184-EBBE-A05A-53FE-FAE720CBA4E7}"/>
-              </a:ext>
-            </a:extLst>
-          </p:cNvPr>
-          <p:cNvSpPr>
-            <a:spLocks noGrp="1"/>
+          <p:cNvPr id="11" name="사각형: 둥근 모서리 10">
+            <a:extLst>
+              <a:ext uri="{FF2B5EF4-FFF2-40B4-BE49-F238E27FC236}">
+                <a16:creationId xmlns:a16="http://schemas.microsoft.com/office/drawing/2014/main" id="{A188A292-CB3F-26D1-8EA1-66569641A594}"/>
+              </a:ext>
+            </a:extLst>
+          </p:cNvPr>
+          <p:cNvSpPr/>
+          <p:nvPr/>
+        </p:nvSpPr>
+        <p:spPr>
+          <a:xfrm>
+            <a:off x="1884947" y="2534653"/>
+            <a:ext cx="6521116" cy="2582779"/>
+          </a:xfrm>
+          <a:prstGeom prst="roundRect">
+            <a:avLst>
+              <a:gd name="adj" fmla="val 9317"/>
+            </a:avLst>
+          </a:prstGeom>
+          <a:solidFill>
+            <a:srgbClr val="9C9CDF"/>
+          </a:solidFill>
+          <a:ln>
+            <a:noFill/>
+          </a:ln>
+        </p:spPr>
+        <p:style>
+          <a:lnRef idx="2">
+            <a:schemeClr val="accent6">
+              <a:shade val="50000"/>
+            </a:schemeClr>
+          </a:lnRef>
+          <a:fillRef idx="1">
+            <a:schemeClr val="accent6"/>
+          </a:fillRef>
+          <a:effectRef idx="0">
+            <a:schemeClr val="accent6"/>
+          </a:effectRef>
+          <a:fontRef idx="minor">
+            <a:schemeClr val="lt1"/>
+          </a:fontRef>
+        </p:style>
+        <p:txBody>
+          <a:bodyPr rtlCol="0" anchor="ctr"/>
+          <a:lstStyle/>
+          <a:p>
+            <a:pPr algn="ctr"/>
+            <a:endParaRPr lang="ko-KR" altLang="en-US" dirty="0"/>
+          </a:p>
+        </p:txBody>
+      </p:sp>
+      <p:sp>
+        <p:nvSpPr>
+          <p:cNvPr id="2" name="제목 2">
+            <a:extLst>
+              <a:ext uri="{FF2B5EF4-FFF2-40B4-BE49-F238E27FC236}">
+                <a16:creationId xmlns:a16="http://schemas.microsoft.com/office/drawing/2014/main" id="{DA17C2A3-246A-92FD-81C1-E44CE53807C5}"/>
+              </a:ext>
+            </a:extLst>
+          </p:cNvPr>
+          <p:cNvSpPr txBox="1">
+            <a:spLocks/>
           </p:cNvSpPr>
-          <p:nvPr>
-            <p:ph type="title"/>
-          </p:nvPr>
+          <p:nvPr/>
         </p:nvSpPr>
         <p:spPr>
           <a:xfrm>
             <a:off x="7427495" y="188662"/>
             <a:ext cx="4415589" cy="1223043"/>
           </a:xfrm>
-        </p:spPr>
-        <p:txBody>
-          <a:bodyPr>
+          <a:prstGeom prst="rect">
+            <a:avLst/>
+          </a:prstGeom>
+        </p:spPr>
+        <p:txBody>
+          <a:bodyPr anchor="ctr">
             <a:normAutofit/>
           </a:bodyPr>
-          <a:lstStyle/>
+          <a:lstStyle>
+            <a:lvl1pPr algn="l" defTabSz="914400" rtl="0" eaLnBrk="1" latinLnBrk="1" hangingPunct="1">
+              <a:lnSpc>
+                <a:spcPct val="90000"/>
+              </a:lnSpc>
+              <a:spcBef>
+                <a:spcPct val="0"/>
+              </a:spcBef>
+              <a:buNone/>
+              <a:defRPr sz="4400" kern="1200">
+                <a:solidFill>
+                  <a:schemeClr val="tx1"/>
+                </a:solidFill>
+                <a:latin typeface="+mj-lt"/>
+                <a:ea typeface="+mj-ea"/>
+                <a:cs typeface="+mj-cs"/>
+              </a:defRPr>
+            </a:lvl1pPr>
+          </a:lstStyle>
           <a:p>
             <a:pPr algn="ctr"/>
             <a:r>
@@ -4937,72 +5010,917 @@
               <a:t>시스템 소프트웨어 아키텍처</a:t>
             </a:r>
           </a:p>
-        </p:txBody>
-      </p:sp>
-      <p:sp>
-        <p:nvSpPr>
-          <p:cNvPr id="4" name="내용 개체 틀 3">
-            <a:extLst>
-              <a:ext uri="{FF2B5EF4-FFF2-40B4-BE49-F238E27FC236}">
-                <a16:creationId xmlns:a16="http://schemas.microsoft.com/office/drawing/2014/main" id="{BBA5C863-45CF-D33D-312E-3B4BB2343485}"/>
-              </a:ext>
-            </a:extLst>
-          </p:cNvPr>
-          <p:cNvSpPr>
-            <a:spLocks noGrp="1"/>
-          </p:cNvSpPr>
-          <p:nvPr>
-            <p:ph idx="1"/>
-          </p:nvPr>
-        </p:nvSpPr>
-        <p:spPr/>
-        <p:txBody>
-          <a:bodyPr/>
-          <a:lstStyle/>
-          <a:p>
-            <a:pPr>
+          <a:p>
+            <a:pPr algn="ctr"/>
+            <a:r>
+              <a:rPr lang="en-US" altLang="ko-KR" sz="2000" dirty="0"/>
+              <a:t>(</a:t>
+            </a:r>
+            <a:r>
+              <a:rPr lang="ko-KR" altLang="en-US" sz="2000" dirty="0"/>
+              <a:t>통합</a:t>
+            </a:r>
+            <a:r>
+              <a:rPr lang="en-US" altLang="ko-KR" sz="2000" dirty="0"/>
+              <a:t>)</a:t>
+            </a:r>
+            <a:endParaRPr lang="ko-KR" altLang="en-US" sz="2000" dirty="0"/>
+          </a:p>
+        </p:txBody>
+      </p:sp>
+      <p:sp>
+        <p:nvSpPr>
+          <p:cNvPr id="3" name="사각형: 둥근 모서리 2">
+            <a:extLst>
+              <a:ext uri="{FF2B5EF4-FFF2-40B4-BE49-F238E27FC236}">
+                <a16:creationId xmlns:a16="http://schemas.microsoft.com/office/drawing/2014/main" id="{E31C7063-383F-DB60-371F-F78C42D5C5F1}"/>
+              </a:ext>
+            </a:extLst>
+          </p:cNvPr>
+          <p:cNvSpPr/>
+          <p:nvPr/>
+        </p:nvSpPr>
+        <p:spPr>
+          <a:xfrm>
+            <a:off x="1868905" y="5181600"/>
+            <a:ext cx="8454189" cy="882316"/>
+          </a:xfrm>
+          <a:prstGeom prst="roundRect">
+            <a:avLst/>
+          </a:prstGeom>
+          <a:solidFill>
+            <a:srgbClr val="47B5FF"/>
+          </a:solidFill>
+        </p:spPr>
+        <p:style>
+          <a:lnRef idx="2">
+            <a:schemeClr val="accent1">
+              <a:shade val="50000"/>
+            </a:schemeClr>
+          </a:lnRef>
+          <a:fillRef idx="1">
+            <a:schemeClr val="accent1"/>
+          </a:fillRef>
+          <a:effectRef idx="0">
+            <a:schemeClr val="accent1"/>
+          </a:effectRef>
+          <a:fontRef idx="minor">
+            <a:schemeClr val="lt1"/>
+          </a:fontRef>
+        </p:style>
+        <p:txBody>
+          <a:bodyPr rtlCol="0" anchor="ctr"/>
+          <a:lstStyle/>
+          <a:p>
+            <a:pPr algn="ctr"/>
+            <a:r>
+              <a:rPr lang="en-US" altLang="ko-KR" b="1" dirty="0">
+                <a:solidFill>
+                  <a:srgbClr val="DFF6FF"/>
+                </a:solidFill>
+              </a:rPr>
+              <a:t>Operating System </a:t>
+            </a:r>
+            <a:r>
+              <a:rPr lang="en-US" altLang="ko-KR" dirty="0">
+                <a:solidFill>
+                  <a:srgbClr val="DFF6FF"/>
+                </a:solidFill>
+              </a:rPr>
+              <a:t>– Windows 10 64 bit</a:t>
+            </a:r>
+          </a:p>
+        </p:txBody>
+      </p:sp>
+      <p:sp>
+        <p:nvSpPr>
+          <p:cNvPr id="4" name="사각형: 둥근 모서리 3">
+            <a:extLst>
+              <a:ext uri="{FF2B5EF4-FFF2-40B4-BE49-F238E27FC236}">
+                <a16:creationId xmlns:a16="http://schemas.microsoft.com/office/drawing/2014/main" id="{9460D245-DAF5-622E-8E05-EFE04E45C809}"/>
+              </a:ext>
+            </a:extLst>
+          </p:cNvPr>
+          <p:cNvSpPr/>
+          <p:nvPr/>
+        </p:nvSpPr>
+        <p:spPr>
+          <a:xfrm>
+            <a:off x="1964554" y="2534652"/>
+            <a:ext cx="6441509" cy="601579"/>
+          </a:xfrm>
+          <a:prstGeom prst="roundRect">
+            <a:avLst>
+              <a:gd name="adj" fmla="val 50000"/>
+            </a:avLst>
+          </a:prstGeom>
+          <a:solidFill>
+            <a:srgbClr val="9C9CDF"/>
+          </a:solidFill>
+          <a:ln>
+            <a:noFill/>
+          </a:ln>
+        </p:spPr>
+        <p:style>
+          <a:lnRef idx="1">
+            <a:schemeClr val="accent4"/>
+          </a:lnRef>
+          <a:fillRef idx="3">
+            <a:schemeClr val="accent4"/>
+          </a:fillRef>
+          <a:effectRef idx="2">
+            <a:schemeClr val="accent4"/>
+          </a:effectRef>
+          <a:fontRef idx="minor">
+            <a:schemeClr val="lt1"/>
+          </a:fontRef>
+        </p:style>
+        <p:txBody>
+          <a:bodyPr tIns="0" bIns="252000" rtlCol="0" anchor="ctr"/>
+          <a:lstStyle/>
+          <a:p>
+            <a:pPr algn="ctr">
               <a:lnSpc>
                 <a:spcPct val="200000"/>
               </a:lnSpc>
             </a:pPr>
             <a:r>
-              <a:rPr lang="en-US" altLang="ko-KR" dirty="0"/>
-              <a:t>Operating System – Windows 10 64 bit</a:t>
-            </a:r>
-          </a:p>
-          <a:p>
-            <a:pPr>
+              <a:rPr lang="en-US" altLang="ko-KR" sz="2400" b="1" dirty="0">
+                <a:solidFill>
+                  <a:schemeClr val="tx1"/>
+                </a:solidFill>
+              </a:rPr>
+              <a:t>Development Environment  </a:t>
+            </a:r>
+          </a:p>
+        </p:txBody>
+      </p:sp>
+      <p:sp>
+        <p:nvSpPr>
+          <p:cNvPr id="25" name="직사각형 24">
+            <a:extLst>
+              <a:ext uri="{FF2B5EF4-FFF2-40B4-BE49-F238E27FC236}">
+                <a16:creationId xmlns:a16="http://schemas.microsoft.com/office/drawing/2014/main" id="{784058B6-56CC-AAA4-C621-77EC1F3439C9}"/>
+              </a:ext>
+            </a:extLst>
+          </p:cNvPr>
+          <p:cNvSpPr/>
+          <p:nvPr/>
+        </p:nvSpPr>
+        <p:spPr>
+          <a:xfrm>
+            <a:off x="2068959" y="3095623"/>
+            <a:ext cx="3165648" cy="1901491"/>
+          </a:xfrm>
+          <a:prstGeom prst="rect">
+            <a:avLst/>
+          </a:prstGeom>
+        </p:spPr>
+        <p:style>
+          <a:lnRef idx="2">
+            <a:schemeClr val="accent1">
+              <a:shade val="50000"/>
+            </a:schemeClr>
+          </a:lnRef>
+          <a:fillRef idx="1">
+            <a:schemeClr val="accent1"/>
+          </a:fillRef>
+          <a:effectRef idx="0">
+            <a:schemeClr val="accent1"/>
+          </a:effectRef>
+          <a:fontRef idx="minor">
+            <a:schemeClr val="lt1"/>
+          </a:fontRef>
+        </p:style>
+        <p:txBody>
+          <a:bodyPr rtlCol="0" anchor="ctr"/>
+          <a:lstStyle/>
+          <a:p>
+            <a:pPr algn="ctr"/>
+            <a:endParaRPr lang="ko-KR" altLang="en-US"/>
+          </a:p>
+        </p:txBody>
+      </p:sp>
+      <p:sp>
+        <p:nvSpPr>
+          <p:cNvPr id="5" name="사각형: 둥근 모서리 4">
+            <a:extLst>
+              <a:ext uri="{FF2B5EF4-FFF2-40B4-BE49-F238E27FC236}">
+                <a16:creationId xmlns:a16="http://schemas.microsoft.com/office/drawing/2014/main" id="{9593E1B3-A062-A099-54D6-26267D6E4F82}"/>
+              </a:ext>
+            </a:extLst>
+          </p:cNvPr>
+          <p:cNvSpPr/>
+          <p:nvPr/>
+        </p:nvSpPr>
+        <p:spPr>
+          <a:xfrm>
+            <a:off x="8614611" y="2654968"/>
+            <a:ext cx="1708483" cy="2342148"/>
+          </a:xfrm>
+          <a:prstGeom prst="roundRect">
+            <a:avLst/>
+          </a:prstGeom>
+          <a:solidFill>
+            <a:srgbClr val="9C9CDF"/>
+          </a:solidFill>
+          <a:ln>
+            <a:noFill/>
+          </a:ln>
+        </p:spPr>
+        <p:style>
+          <a:lnRef idx="1">
+            <a:schemeClr val="accent4"/>
+          </a:lnRef>
+          <a:fillRef idx="3">
+            <a:schemeClr val="accent4"/>
+          </a:fillRef>
+          <a:effectRef idx="2">
+            <a:schemeClr val="accent4"/>
+          </a:effectRef>
+          <a:fontRef idx="minor">
+            <a:schemeClr val="lt1"/>
+          </a:fontRef>
+        </p:style>
+        <p:txBody>
+          <a:bodyPr rtlCol="0" anchor="ctr"/>
+          <a:lstStyle/>
+          <a:p>
+            <a:pPr algn="ctr">
               <a:lnSpc>
-                <a:spcPct val="200000"/>
+                <a:spcPct val="150000"/>
               </a:lnSpc>
             </a:pPr>
             <a:r>
-              <a:rPr lang="en-US" altLang="ko-KR" dirty="0"/>
-              <a:t>Development Environment – Spring Boot, Tomcat, Open JDK, Node.js, React.js, Next.js</a:t>
-            </a:r>
-          </a:p>
-          <a:p>
-            <a:pPr>
+              <a:rPr lang="en-US" altLang="ko-KR" sz="2400" b="1" dirty="0" err="1">
+                <a:solidFill>
+                  <a:schemeClr val="tx1">
+                    <a:lumMod val="75000"/>
+                    <a:lumOff val="25000"/>
+                  </a:schemeClr>
+                </a:solidFill>
+              </a:rPr>
+              <a:t>DataBase</a:t>
+            </a:r>
+            <a:endParaRPr lang="en-US" altLang="ko-KR" sz="2400" b="1" dirty="0">
+              <a:solidFill>
+                <a:schemeClr val="tx1">
+                  <a:lumMod val="75000"/>
+                  <a:lumOff val="25000"/>
+                </a:schemeClr>
+              </a:solidFill>
+            </a:endParaRPr>
+          </a:p>
+          <a:p>
+            <a:pPr algn="ctr">
               <a:lnSpc>
-                <a:spcPct val="200000"/>
+                <a:spcPct val="150000"/>
               </a:lnSpc>
             </a:pPr>
             <a:r>
-              <a:rPr lang="en-US" altLang="ko-KR" dirty="0" err="1"/>
-              <a:t>DataBase</a:t>
-            </a:r>
-            <a:r>
-              <a:rPr lang="en-US" altLang="ko-KR" dirty="0"/>
-              <a:t> - MariaDB</a:t>
-            </a:r>
-            <a:endParaRPr lang="ko-KR" altLang="en-US" dirty="0"/>
+              <a:rPr lang="en-US" altLang="ko-KR" dirty="0">
+                <a:solidFill>
+                  <a:schemeClr val="tx1">
+                    <a:lumMod val="75000"/>
+                    <a:lumOff val="25000"/>
+                  </a:schemeClr>
+                </a:solidFill>
+              </a:rPr>
+              <a:t>MariaDB</a:t>
+            </a:r>
+            <a:endParaRPr lang="ko-KR" altLang="en-US" dirty="0">
+              <a:solidFill>
+                <a:schemeClr val="tx1">
+                  <a:lumMod val="75000"/>
+                  <a:lumOff val="25000"/>
+                </a:schemeClr>
+              </a:solidFill>
+            </a:endParaRPr>
+          </a:p>
+        </p:txBody>
+      </p:sp>
+      <p:sp>
+        <p:nvSpPr>
+          <p:cNvPr id="6" name="사각형: 둥근 모서리 5">
+            <a:extLst>
+              <a:ext uri="{FF2B5EF4-FFF2-40B4-BE49-F238E27FC236}">
+                <a16:creationId xmlns:a16="http://schemas.microsoft.com/office/drawing/2014/main" id="{80605B58-5658-C932-28C5-AD7C8CCEB22B}"/>
+              </a:ext>
+            </a:extLst>
+          </p:cNvPr>
+          <p:cNvSpPr/>
+          <p:nvPr/>
+        </p:nvSpPr>
+        <p:spPr>
+          <a:xfrm>
+            <a:off x="1868905" y="1588168"/>
+            <a:ext cx="8454189" cy="882316"/>
+          </a:xfrm>
+          <a:prstGeom prst="roundRect">
+            <a:avLst/>
+          </a:prstGeom>
+          <a:solidFill>
+            <a:srgbClr val="256D85"/>
+          </a:solidFill>
+        </p:spPr>
+        <p:style>
+          <a:lnRef idx="2">
+            <a:schemeClr val="accent5">
+              <a:shade val="50000"/>
+            </a:schemeClr>
+          </a:lnRef>
+          <a:fillRef idx="1">
+            <a:schemeClr val="accent5"/>
+          </a:fillRef>
+          <a:effectRef idx="0">
+            <a:schemeClr val="accent5"/>
+          </a:effectRef>
+          <a:fontRef idx="minor">
+            <a:schemeClr val="lt1"/>
+          </a:fontRef>
+        </p:style>
+        <p:txBody>
+          <a:bodyPr rtlCol="0" anchor="ctr"/>
+          <a:lstStyle/>
+          <a:p>
+            <a:pPr algn="ctr"/>
+            <a:r>
+              <a:rPr lang="en-US" altLang="ko-KR" b="1" dirty="0">
+                <a:solidFill>
+                  <a:srgbClr val="DFF6FF"/>
+                </a:solidFill>
+              </a:rPr>
+              <a:t>Client Service </a:t>
+            </a:r>
+            <a:r>
+              <a:rPr lang="en-US" altLang="ko-KR" dirty="0">
+                <a:solidFill>
+                  <a:srgbClr val="DFF6FF"/>
+                </a:solidFill>
+              </a:rPr>
+              <a:t>– WEB Browser</a:t>
+            </a:r>
+          </a:p>
+        </p:txBody>
+      </p:sp>
+      <p:sp>
+        <p:nvSpPr>
+          <p:cNvPr id="16" name="사각형: 둥근 모서리 15">
+            <a:extLst>
+              <a:ext uri="{FF2B5EF4-FFF2-40B4-BE49-F238E27FC236}">
+                <a16:creationId xmlns:a16="http://schemas.microsoft.com/office/drawing/2014/main" id="{12FCB14C-7E74-3D0C-0873-82B4100D2207}"/>
+              </a:ext>
+            </a:extLst>
+          </p:cNvPr>
+          <p:cNvSpPr/>
+          <p:nvPr/>
+        </p:nvSpPr>
+        <p:spPr>
+          <a:xfrm>
+            <a:off x="2203608" y="3190862"/>
+            <a:ext cx="1260000" cy="1589570"/>
+          </a:xfrm>
+          <a:prstGeom prst="roundRect">
+            <a:avLst/>
+          </a:prstGeom>
+          <a:solidFill>
+            <a:srgbClr val="FFFFFF"/>
+          </a:solidFill>
+          <a:ln>
+            <a:noFill/>
+          </a:ln>
+        </p:spPr>
+        <p:style>
+          <a:lnRef idx="1">
+            <a:schemeClr val="accent4"/>
+          </a:lnRef>
+          <a:fillRef idx="3">
+            <a:schemeClr val="accent4"/>
+          </a:fillRef>
+          <a:effectRef idx="2">
+            <a:schemeClr val="accent4"/>
+          </a:effectRef>
+          <a:fontRef idx="minor">
+            <a:schemeClr val="lt1"/>
+          </a:fontRef>
+        </p:style>
+        <p:txBody>
+          <a:bodyPr tIns="0" rtlCol="0" anchor="ctr"/>
+          <a:lstStyle/>
+          <a:p>
+            <a:pPr algn="ctr">
+              <a:lnSpc>
+                <a:spcPct val="150000"/>
+              </a:lnSpc>
+            </a:pPr>
+            <a:r>
+              <a:rPr lang="en-US" altLang="ko-KR" sz="1200" b="1" dirty="0">
+                <a:solidFill>
+                  <a:schemeClr val="tx1">
+                    <a:lumMod val="75000"/>
+                    <a:lumOff val="25000"/>
+                  </a:schemeClr>
+                </a:solidFill>
+              </a:rPr>
+              <a:t>WAS</a:t>
+            </a:r>
+          </a:p>
+          <a:p>
+            <a:pPr algn="ctr">
+              <a:lnSpc>
+                <a:spcPct val="150000"/>
+              </a:lnSpc>
+            </a:pPr>
+            <a:r>
+              <a:rPr lang="en-US" altLang="ko-KR" sz="1200" dirty="0">
+                <a:solidFill>
+                  <a:schemeClr val="tx1">
+                    <a:lumMod val="75000"/>
+                    <a:lumOff val="25000"/>
+                  </a:schemeClr>
+                </a:solidFill>
+              </a:rPr>
+              <a:t>Tomcat</a:t>
+            </a:r>
+          </a:p>
+        </p:txBody>
+      </p:sp>
+      <p:sp>
+        <p:nvSpPr>
+          <p:cNvPr id="21" name="사각형: 둥근 모서리 20">
+            <a:extLst>
+              <a:ext uri="{FF2B5EF4-FFF2-40B4-BE49-F238E27FC236}">
+                <a16:creationId xmlns:a16="http://schemas.microsoft.com/office/drawing/2014/main" id="{0205FA30-CD7C-1009-2363-622D46604126}"/>
+              </a:ext>
+            </a:extLst>
+          </p:cNvPr>
+          <p:cNvSpPr/>
+          <p:nvPr/>
+        </p:nvSpPr>
+        <p:spPr>
+          <a:xfrm>
+            <a:off x="3515744" y="3190862"/>
+            <a:ext cx="1618575" cy="757757"/>
+          </a:xfrm>
+          <a:prstGeom prst="roundRect">
+            <a:avLst/>
+          </a:prstGeom>
+          <a:solidFill>
+            <a:srgbClr val="FFFFFF"/>
+          </a:solidFill>
+          <a:ln>
+            <a:noFill/>
+          </a:ln>
+        </p:spPr>
+        <p:style>
+          <a:lnRef idx="1">
+            <a:schemeClr val="accent4"/>
+          </a:lnRef>
+          <a:fillRef idx="3">
+            <a:schemeClr val="accent4"/>
+          </a:fillRef>
+          <a:effectRef idx="2">
+            <a:schemeClr val="accent4"/>
+          </a:effectRef>
+          <a:fontRef idx="minor">
+            <a:schemeClr val="lt1"/>
+          </a:fontRef>
+        </p:style>
+        <p:txBody>
+          <a:bodyPr tIns="0" rtlCol="0" anchor="ctr"/>
+          <a:lstStyle/>
+          <a:p>
+            <a:pPr algn="ctr">
+              <a:lnSpc>
+                <a:spcPct val="150000"/>
+              </a:lnSpc>
+            </a:pPr>
+            <a:r>
+              <a:rPr lang="en-US" altLang="ko-KR" sz="1200" b="1" dirty="0">
+                <a:solidFill>
+                  <a:schemeClr val="tx1">
+                    <a:lumMod val="75000"/>
+                    <a:lumOff val="25000"/>
+                  </a:schemeClr>
+                </a:solidFill>
+              </a:rPr>
+              <a:t>Java Platform</a:t>
+            </a:r>
+          </a:p>
+          <a:p>
+            <a:pPr algn="ctr">
+              <a:lnSpc>
+                <a:spcPct val="150000"/>
+              </a:lnSpc>
+            </a:pPr>
+            <a:r>
+              <a:rPr lang="en-US" altLang="ko-KR" sz="1200" dirty="0">
+                <a:solidFill>
+                  <a:schemeClr val="tx1">
+                    <a:lumMod val="75000"/>
+                    <a:lumOff val="25000"/>
+                  </a:schemeClr>
+                </a:solidFill>
+              </a:rPr>
+              <a:t>Open JDK</a:t>
+            </a:r>
+          </a:p>
+        </p:txBody>
+      </p:sp>
+      <p:sp>
+        <p:nvSpPr>
+          <p:cNvPr id="26" name="직사각형 25">
+            <a:extLst>
+              <a:ext uri="{FF2B5EF4-FFF2-40B4-BE49-F238E27FC236}">
+                <a16:creationId xmlns:a16="http://schemas.microsoft.com/office/drawing/2014/main" id="{20077F3C-31F9-8BAE-06FF-C6813967D833}"/>
+              </a:ext>
+            </a:extLst>
+          </p:cNvPr>
+          <p:cNvSpPr/>
+          <p:nvPr/>
+        </p:nvSpPr>
+        <p:spPr>
+          <a:xfrm>
+            <a:off x="5344689" y="3095624"/>
+            <a:ext cx="2913486" cy="1901491"/>
+          </a:xfrm>
+          <a:prstGeom prst="rect">
+            <a:avLst/>
+          </a:prstGeom>
+        </p:spPr>
+        <p:style>
+          <a:lnRef idx="2">
+            <a:schemeClr val="accent1">
+              <a:shade val="50000"/>
+            </a:schemeClr>
+          </a:lnRef>
+          <a:fillRef idx="1">
+            <a:schemeClr val="accent1"/>
+          </a:fillRef>
+          <a:effectRef idx="0">
+            <a:schemeClr val="accent1"/>
+          </a:effectRef>
+          <a:fontRef idx="minor">
+            <a:schemeClr val="lt1"/>
+          </a:fontRef>
+        </p:style>
+        <p:txBody>
+          <a:bodyPr rtlCol="0" anchor="ctr"/>
+          <a:lstStyle/>
+          <a:p>
+            <a:pPr algn="ctr"/>
+            <a:endParaRPr lang="ko-KR" altLang="en-US"/>
+          </a:p>
+        </p:txBody>
+      </p:sp>
+      <p:sp>
+        <p:nvSpPr>
+          <p:cNvPr id="22" name="사각형: 둥근 모서리 21">
+            <a:extLst>
+              <a:ext uri="{FF2B5EF4-FFF2-40B4-BE49-F238E27FC236}">
+                <a16:creationId xmlns:a16="http://schemas.microsoft.com/office/drawing/2014/main" id="{AFE57F3C-EBCA-14DC-D157-B1AEF5724B34}"/>
+              </a:ext>
+            </a:extLst>
+          </p:cNvPr>
+          <p:cNvSpPr/>
+          <p:nvPr/>
+        </p:nvSpPr>
+        <p:spPr>
+          <a:xfrm>
+            <a:off x="5433221" y="3198140"/>
+            <a:ext cx="1260000" cy="1564359"/>
+          </a:xfrm>
+          <a:prstGeom prst="roundRect">
+            <a:avLst/>
+          </a:prstGeom>
+          <a:solidFill>
+            <a:srgbClr val="FFFFFF"/>
+          </a:solidFill>
+          <a:ln>
+            <a:noFill/>
+          </a:ln>
+        </p:spPr>
+        <p:style>
+          <a:lnRef idx="1">
+            <a:schemeClr val="accent4"/>
+          </a:lnRef>
+          <a:fillRef idx="3">
+            <a:schemeClr val="accent4"/>
+          </a:fillRef>
+          <a:effectRef idx="2">
+            <a:schemeClr val="accent4"/>
+          </a:effectRef>
+          <a:fontRef idx="minor">
+            <a:schemeClr val="lt1"/>
+          </a:fontRef>
+        </p:style>
+        <p:txBody>
+          <a:bodyPr tIns="0" rtlCol="0" anchor="ctr"/>
+          <a:lstStyle/>
+          <a:p>
+            <a:pPr algn="ctr">
+              <a:lnSpc>
+                <a:spcPct val="150000"/>
+              </a:lnSpc>
+            </a:pPr>
+            <a:r>
+              <a:rPr lang="en-US" altLang="ko-KR" sz="1200" b="1" dirty="0">
+                <a:solidFill>
+                  <a:schemeClr val="tx1">
+                    <a:lumMod val="75000"/>
+                    <a:lumOff val="25000"/>
+                  </a:schemeClr>
+                </a:solidFill>
+              </a:rPr>
+              <a:t>Framework</a:t>
+            </a:r>
+          </a:p>
+          <a:p>
+            <a:pPr algn="ctr">
+              <a:lnSpc>
+                <a:spcPct val="150000"/>
+              </a:lnSpc>
+            </a:pPr>
+            <a:r>
+              <a:rPr lang="en-US" altLang="ko-KR" sz="1200" dirty="0">
+                <a:solidFill>
+                  <a:schemeClr val="tx1">
+                    <a:lumMod val="75000"/>
+                    <a:lumOff val="25000"/>
+                  </a:schemeClr>
+                </a:solidFill>
+              </a:rPr>
+              <a:t>React.js</a:t>
+            </a:r>
+          </a:p>
+          <a:p>
+            <a:pPr algn="ctr">
+              <a:lnSpc>
+                <a:spcPct val="150000"/>
+              </a:lnSpc>
+            </a:pPr>
+            <a:r>
+              <a:rPr lang="en-US" altLang="ko-KR" sz="1200" dirty="0">
+                <a:solidFill>
+                  <a:schemeClr val="tx1">
+                    <a:lumMod val="75000"/>
+                    <a:lumOff val="25000"/>
+                  </a:schemeClr>
+                </a:solidFill>
+              </a:rPr>
+              <a:t>Next.js</a:t>
+            </a:r>
+          </a:p>
+        </p:txBody>
+      </p:sp>
+      <p:sp>
+        <p:nvSpPr>
+          <p:cNvPr id="24" name="사각형: 둥근 모서리 23">
+            <a:extLst>
+              <a:ext uri="{FF2B5EF4-FFF2-40B4-BE49-F238E27FC236}">
+                <a16:creationId xmlns:a16="http://schemas.microsoft.com/office/drawing/2014/main" id="{CF7D73E5-8BCE-02A1-6C9D-B33C85D2E11E}"/>
+              </a:ext>
+            </a:extLst>
+          </p:cNvPr>
+          <p:cNvSpPr/>
+          <p:nvPr/>
+        </p:nvSpPr>
+        <p:spPr>
+          <a:xfrm>
+            <a:off x="6902278" y="3219443"/>
+            <a:ext cx="1260000" cy="1543056"/>
+          </a:xfrm>
+          <a:prstGeom prst="roundRect">
+            <a:avLst/>
+          </a:prstGeom>
+          <a:solidFill>
+            <a:srgbClr val="FFFFFF"/>
+          </a:solidFill>
+          <a:ln>
+            <a:noFill/>
+          </a:ln>
+        </p:spPr>
+        <p:style>
+          <a:lnRef idx="1">
+            <a:schemeClr val="accent4"/>
+          </a:lnRef>
+          <a:fillRef idx="3">
+            <a:schemeClr val="accent4"/>
+          </a:fillRef>
+          <a:effectRef idx="2">
+            <a:schemeClr val="accent4"/>
+          </a:effectRef>
+          <a:fontRef idx="minor">
+            <a:schemeClr val="lt1"/>
+          </a:fontRef>
+        </p:style>
+        <p:txBody>
+          <a:bodyPr tIns="0" rtlCol="0" anchor="ctr"/>
+          <a:lstStyle/>
+          <a:p>
+            <a:pPr algn="ctr">
+              <a:lnSpc>
+                <a:spcPct val="150000"/>
+              </a:lnSpc>
+            </a:pPr>
+            <a:r>
+              <a:rPr lang="en-US" altLang="ko-KR" sz="1200" b="1" dirty="0">
+                <a:solidFill>
+                  <a:schemeClr val="tx1">
+                    <a:lumMod val="75000"/>
+                    <a:lumOff val="25000"/>
+                  </a:schemeClr>
+                </a:solidFill>
+              </a:rPr>
+              <a:t>WAS</a:t>
+            </a:r>
+          </a:p>
+          <a:p>
+            <a:pPr algn="ctr">
+              <a:lnSpc>
+                <a:spcPct val="150000"/>
+              </a:lnSpc>
+            </a:pPr>
+            <a:r>
+              <a:rPr lang="en-US" altLang="ko-KR" sz="1200" dirty="0">
+                <a:solidFill>
+                  <a:schemeClr val="tx1">
+                    <a:lumMod val="75000"/>
+                    <a:lumOff val="25000"/>
+                  </a:schemeClr>
+                </a:solidFill>
+              </a:rPr>
+              <a:t>Node.js</a:t>
+            </a:r>
+          </a:p>
+        </p:txBody>
+      </p:sp>
+      <p:sp>
+        <p:nvSpPr>
+          <p:cNvPr id="27" name="TextBox 26">
+            <a:extLst>
+              <a:ext uri="{FF2B5EF4-FFF2-40B4-BE49-F238E27FC236}">
+                <a16:creationId xmlns:a16="http://schemas.microsoft.com/office/drawing/2014/main" id="{1AC3C0BE-9B99-4167-0819-44FF007DA4A4}"/>
+              </a:ext>
+            </a:extLst>
+          </p:cNvPr>
+          <p:cNvSpPr txBox="1"/>
+          <p:nvPr/>
+        </p:nvSpPr>
+        <p:spPr>
+          <a:xfrm>
+            <a:off x="4025950" y="4743446"/>
+            <a:ext cx="1167726" cy="276999"/>
+          </a:xfrm>
+          <a:prstGeom prst="rect">
+            <a:avLst/>
+          </a:prstGeom>
+          <a:noFill/>
+        </p:spPr>
+        <p:txBody>
+          <a:bodyPr wrap="square" rtlCol="0">
+            <a:spAutoFit/>
+          </a:bodyPr>
+          <a:lstStyle/>
+          <a:p>
+            <a:pPr algn="r"/>
+            <a:r>
+              <a:rPr lang="ko-KR" altLang="en-US" sz="1200">
+                <a:solidFill>
+                  <a:srgbClr val="FF0000"/>
+                </a:solidFill>
+              </a:rPr>
+              <a:t>관리자</a:t>
+            </a:r>
+          </a:p>
+        </p:txBody>
+      </p:sp>
+      <p:sp>
+        <p:nvSpPr>
+          <p:cNvPr id="28" name="TextBox 27">
+            <a:extLst>
+              <a:ext uri="{FF2B5EF4-FFF2-40B4-BE49-F238E27FC236}">
+                <a16:creationId xmlns:a16="http://schemas.microsoft.com/office/drawing/2014/main" id="{1F24D1F6-21AA-D60E-85BE-DDA45CFF62C9}"/>
+              </a:ext>
+            </a:extLst>
+          </p:cNvPr>
+          <p:cNvSpPr txBox="1"/>
+          <p:nvPr/>
+        </p:nvSpPr>
+        <p:spPr>
+          <a:xfrm>
+            <a:off x="7090449" y="4752200"/>
+            <a:ext cx="1167726" cy="276999"/>
+          </a:xfrm>
+          <a:prstGeom prst="rect">
+            <a:avLst/>
+          </a:prstGeom>
+          <a:noFill/>
+        </p:spPr>
+        <p:txBody>
+          <a:bodyPr wrap="square" rtlCol="0">
+            <a:spAutoFit/>
+          </a:bodyPr>
+          <a:lstStyle/>
+          <a:p>
+            <a:pPr algn="r"/>
+            <a:r>
+              <a:rPr lang="ko-KR" altLang="en-US" sz="1200" dirty="0">
+                <a:solidFill>
+                  <a:srgbClr val="FF0000"/>
+                </a:solidFill>
+              </a:rPr>
+              <a:t>사용자</a:t>
+            </a:r>
+          </a:p>
+        </p:txBody>
+      </p:sp>
+      <p:sp>
+        <p:nvSpPr>
+          <p:cNvPr id="29" name="사각형: 둥근 모서리 28">
+            <a:extLst>
+              <a:ext uri="{FF2B5EF4-FFF2-40B4-BE49-F238E27FC236}">
+                <a16:creationId xmlns:a16="http://schemas.microsoft.com/office/drawing/2014/main" id="{6D7EE478-0B90-D218-0D1B-B2FFC40E3F68}"/>
+              </a:ext>
+            </a:extLst>
+          </p:cNvPr>
+          <p:cNvSpPr/>
+          <p:nvPr/>
+        </p:nvSpPr>
+        <p:spPr>
+          <a:xfrm>
+            <a:off x="3515744" y="4045606"/>
+            <a:ext cx="1618575" cy="734826"/>
+          </a:xfrm>
+          <a:prstGeom prst="roundRect">
+            <a:avLst/>
+          </a:prstGeom>
+          <a:solidFill>
+            <a:srgbClr val="FFFFFF"/>
+          </a:solidFill>
+          <a:ln>
+            <a:noFill/>
+          </a:ln>
+        </p:spPr>
+        <p:style>
+          <a:lnRef idx="1">
+            <a:schemeClr val="accent4"/>
+          </a:lnRef>
+          <a:fillRef idx="3">
+            <a:schemeClr val="accent4"/>
+          </a:fillRef>
+          <a:effectRef idx="2">
+            <a:schemeClr val="accent4"/>
+          </a:effectRef>
+          <a:fontRef idx="minor">
+            <a:schemeClr val="lt1"/>
+          </a:fontRef>
+        </p:style>
+        <p:txBody>
+          <a:bodyPr tIns="0" rtlCol="0" anchor="ctr"/>
+          <a:lstStyle/>
+          <a:p>
+            <a:pPr algn="ctr">
+              <a:lnSpc>
+                <a:spcPct val="150000"/>
+              </a:lnSpc>
+            </a:pPr>
+            <a:r>
+              <a:rPr lang="en-US" altLang="ko-KR" sz="1200" b="1" dirty="0">
+                <a:solidFill>
+                  <a:schemeClr val="tx1">
+                    <a:lumMod val="75000"/>
+                    <a:lumOff val="25000"/>
+                  </a:schemeClr>
+                </a:solidFill>
+              </a:rPr>
+              <a:t>Framework</a:t>
+            </a:r>
+          </a:p>
+          <a:p>
+            <a:pPr algn="ctr">
+              <a:lnSpc>
+                <a:spcPct val="150000"/>
+              </a:lnSpc>
+            </a:pPr>
+            <a:r>
+              <a:rPr lang="en-US" altLang="ko-KR" sz="1200" dirty="0">
+                <a:solidFill>
+                  <a:schemeClr val="tx1">
+                    <a:lumMod val="75000"/>
+                    <a:lumOff val="25000"/>
+                  </a:schemeClr>
+                </a:solidFill>
+              </a:rPr>
+              <a:t>Sprint Boot</a:t>
+            </a:r>
           </a:p>
         </p:txBody>
       </p:sp>
     </p:spTree>
     <p:extLst>
       <p:ext uri="{BB962C8B-B14F-4D97-AF65-F5344CB8AC3E}">
-        <p14:creationId xmlns:p14="http://schemas.microsoft.com/office/powerpoint/2010/main" val="1114313300"/>
+        <p14:creationId xmlns:p14="http://schemas.microsoft.com/office/powerpoint/2010/main" val="4139724602"/>
       </p:ext>
     </p:extLst>
   </p:cSld>
@@ -5674,7 +6592,7 @@
         </p:blipFill>
         <p:spPr bwMode="auto">
           <a:xfrm>
-            <a:off x="858284" y="5122723"/>
+            <a:off x="700108" y="4805003"/>
             <a:ext cx="1219200" cy="1219200"/>
           </a:xfrm>
           <a:prstGeom prst="rect">
@@ -5721,7 +6639,7 @@
         </p:blipFill>
         <p:spPr bwMode="auto">
           <a:xfrm>
-            <a:off x="363856" y="1235747"/>
+            <a:off x="461484" y="2223546"/>
             <a:ext cx="1528077" cy="801461"/>
           </a:xfrm>
           <a:prstGeom prst="rect">
@@ -5768,7 +6686,7 @@
         </p:blipFill>
         <p:spPr bwMode="auto">
           <a:xfrm>
-            <a:off x="512820" y="2095374"/>
+            <a:off x="551032" y="1412543"/>
             <a:ext cx="1219201" cy="862586"/>
           </a:xfrm>
           <a:prstGeom prst="rect">
@@ -5847,7 +6765,7 @@
         </p:nvSpPr>
         <p:spPr>
           <a:xfrm>
-            <a:off x="701017" y="4783732"/>
+            <a:off x="551032" y="4664833"/>
             <a:ext cx="1547569" cy="369332"/>
           </a:xfrm>
           <a:prstGeom prst="rect">
@@ -6012,7 +6930,7 @@
         </p:nvSpPr>
         <p:spPr>
           <a:xfrm>
-            <a:off x="-171102" y="3620034"/>
+            <a:off x="5885" y="3443373"/>
             <a:ext cx="3216442" cy="769441"/>
           </a:xfrm>
           <a:prstGeom prst="rect">
@@ -6391,7 +7309,7 @@
         </p:nvSpPr>
         <p:spPr>
           <a:xfrm>
-            <a:off x="2774757" y="3488720"/>
+            <a:off x="2528487" y="3410467"/>
             <a:ext cx="4106767" cy="938719"/>
           </a:xfrm>
           <a:prstGeom prst="rect">
@@ -6487,8 +7405,8 @@
         </p:nvSpPr>
         <p:spPr>
           <a:xfrm>
-            <a:off x="4199520" y="4660621"/>
-            <a:ext cx="3216442" cy="261610"/>
+            <a:off x="4828140" y="4297977"/>
+            <a:ext cx="3216442" cy="769441"/>
           </a:xfrm>
           <a:prstGeom prst="rect">
             <a:avLst/>
@@ -6518,6 +7436,38 @@
               <a:rPr lang="ko-KR" altLang="en-US" sz="1100" dirty="0"/>
               <a:t>값으로 결과값 저장</a:t>
             </a:r>
+            <a:endParaRPr lang="en-US" altLang="ko-KR" sz="1100" dirty="0"/>
+          </a:p>
+          <a:p>
+            <a:pPr algn="ctr"/>
+            <a:r>
+              <a:rPr lang="en-US" altLang="ko-KR" sz="1100" dirty="0"/>
+              <a:t>JSON/</a:t>
+            </a:r>
+            <a:r>
+              <a:rPr lang="en-US" altLang="ko-KR" sz="1100" dirty="0" err="1"/>
+              <a:t>schoolMeals</a:t>
+            </a:r>
+            <a:endParaRPr lang="en-US" altLang="ko-KR" sz="1100" dirty="0"/>
+          </a:p>
+          <a:p>
+            <a:pPr algn="ctr"/>
+            <a:r>
+              <a:rPr lang="en-US" altLang="ko-KR" sz="1100" dirty="0"/>
+              <a:t>JSON/notices</a:t>
+            </a:r>
+          </a:p>
+          <a:p>
+            <a:pPr algn="ctr"/>
+            <a:r>
+              <a:rPr lang="en-US" altLang="ko-KR" sz="1100" dirty="0"/>
+              <a:t>JSON/</a:t>
+            </a:r>
+            <a:r>
+              <a:rPr lang="en-US" altLang="ko-KR" sz="1100" dirty="0" err="1"/>
+              <a:t>SiteMaps</a:t>
+            </a:r>
+            <a:endParaRPr lang="en-US" altLang="ko-KR" sz="1100" dirty="0"/>
           </a:p>
         </p:txBody>
       </p:sp>
